--- a/image/program/GitHub.pptx
+++ b/image/program/GitHub.pptx
@@ -253,7 +253,7 @@
           <a:p>
             <a:fld id="{AFE10336-D0C8-4001-B2D9-4950ADC8C68F}" type="datetimeFigureOut">
               <a:rPr lang="en-US" smtClean="0"/>
-              <a:t>7/18/2020</a:t>
+              <a:t>11/4/2020</a:t>
             </a:fld>
             <a:endParaRPr lang="en-US"/>
           </a:p>
@@ -423,7 +423,7 @@
           <a:p>
             <a:fld id="{AFE10336-D0C8-4001-B2D9-4950ADC8C68F}" type="datetimeFigureOut">
               <a:rPr lang="en-US" smtClean="0"/>
-              <a:t>7/18/2020</a:t>
+              <a:t>11/4/2020</a:t>
             </a:fld>
             <a:endParaRPr lang="en-US"/>
           </a:p>
@@ -603,7 +603,7 @@
           <a:p>
             <a:fld id="{AFE10336-D0C8-4001-B2D9-4950ADC8C68F}" type="datetimeFigureOut">
               <a:rPr lang="en-US" smtClean="0"/>
-              <a:t>7/18/2020</a:t>
+              <a:t>11/4/2020</a:t>
             </a:fld>
             <a:endParaRPr lang="en-US"/>
           </a:p>
@@ -773,7 +773,7 @@
           <a:p>
             <a:fld id="{AFE10336-D0C8-4001-B2D9-4950ADC8C68F}" type="datetimeFigureOut">
               <a:rPr lang="en-US" smtClean="0"/>
-              <a:t>7/18/2020</a:t>
+              <a:t>11/4/2020</a:t>
             </a:fld>
             <a:endParaRPr lang="en-US"/>
           </a:p>
@@ -1019,7 +1019,7 @@
           <a:p>
             <a:fld id="{AFE10336-D0C8-4001-B2D9-4950ADC8C68F}" type="datetimeFigureOut">
               <a:rPr lang="en-US" smtClean="0"/>
-              <a:t>7/18/2020</a:t>
+              <a:t>11/4/2020</a:t>
             </a:fld>
             <a:endParaRPr lang="en-US"/>
           </a:p>
@@ -1251,7 +1251,7 @@
           <a:p>
             <a:fld id="{AFE10336-D0C8-4001-B2D9-4950ADC8C68F}" type="datetimeFigureOut">
               <a:rPr lang="en-US" smtClean="0"/>
-              <a:t>7/18/2020</a:t>
+              <a:t>11/4/2020</a:t>
             </a:fld>
             <a:endParaRPr lang="en-US"/>
           </a:p>
@@ -1618,7 +1618,7 @@
           <a:p>
             <a:fld id="{AFE10336-D0C8-4001-B2D9-4950ADC8C68F}" type="datetimeFigureOut">
               <a:rPr lang="en-US" smtClean="0"/>
-              <a:t>7/18/2020</a:t>
+              <a:t>11/4/2020</a:t>
             </a:fld>
             <a:endParaRPr lang="en-US"/>
           </a:p>
@@ -1736,7 +1736,7 @@
           <a:p>
             <a:fld id="{AFE10336-D0C8-4001-B2D9-4950ADC8C68F}" type="datetimeFigureOut">
               <a:rPr lang="en-US" smtClean="0"/>
-              <a:t>7/18/2020</a:t>
+              <a:t>11/4/2020</a:t>
             </a:fld>
             <a:endParaRPr lang="en-US"/>
           </a:p>
@@ -1831,7 +1831,7 @@
           <a:p>
             <a:fld id="{AFE10336-D0C8-4001-B2D9-4950ADC8C68F}" type="datetimeFigureOut">
               <a:rPr lang="en-US" smtClean="0"/>
-              <a:t>7/18/2020</a:t>
+              <a:t>11/4/2020</a:t>
             </a:fld>
             <a:endParaRPr lang="en-US"/>
           </a:p>
@@ -2108,7 +2108,7 @@
           <a:p>
             <a:fld id="{AFE10336-D0C8-4001-B2D9-4950ADC8C68F}" type="datetimeFigureOut">
               <a:rPr lang="en-US" smtClean="0"/>
-              <a:t>7/18/2020</a:t>
+              <a:t>11/4/2020</a:t>
             </a:fld>
             <a:endParaRPr lang="en-US"/>
           </a:p>
@@ -2365,7 +2365,7 @@
           <a:p>
             <a:fld id="{AFE10336-D0C8-4001-B2D9-4950ADC8C68F}" type="datetimeFigureOut">
               <a:rPr lang="en-US" smtClean="0"/>
-              <a:t>7/18/2020</a:t>
+              <a:t>11/4/2020</a:t>
             </a:fld>
             <a:endParaRPr lang="en-US"/>
           </a:p>
@@ -2578,7 +2578,7 @@
           <a:p>
             <a:fld id="{AFE10336-D0C8-4001-B2D9-4950ADC8C68F}" type="datetimeFigureOut">
               <a:rPr lang="en-US" smtClean="0"/>
-              <a:t>7/18/2020</a:t>
+              <a:t>11/4/2020</a:t>
             </a:fld>
             <a:endParaRPr lang="en-US"/>
           </a:p>
@@ -4620,6 +4620,14 @@
 <file path=ppt/slides/slide11.xml><?xml version="1.0" encoding="utf-8"?>
 <p:sld xmlns:a="http://schemas.openxmlformats.org/drawingml/2006/main" xmlns:r="http://schemas.openxmlformats.org/officeDocument/2006/relationships" xmlns:p="http://schemas.openxmlformats.org/presentationml/2006/main">
   <p:cSld>
+    <p:bg>
+      <p:bgPr>
+        <a:solidFill>
+          <a:srgbClr val="9A9A9A"/>
+        </a:solidFill>
+        <a:effectLst/>
+      </p:bgPr>
+    </p:bg>
     <p:spTree>
       <p:nvGrpSpPr>
         <p:cNvPr id="1" name=""/>
@@ -4634,6 +4642,41 @@
           <a:chExt cx="0" cy="0"/>
         </a:xfrm>
       </p:grpSpPr>
+      <p:pic>
+        <p:nvPicPr>
+          <p:cNvPr id="3" name="Picture 2">
+            <a:extLst>
+              <a:ext uri="{FF2B5EF4-FFF2-40B4-BE49-F238E27FC236}">
+                <a16:creationId xmlns:a16="http://schemas.microsoft.com/office/drawing/2014/main" id="{E9BB6E65-2C44-43A3-B8CF-A6F265A3C6AC}"/>
+              </a:ext>
+            </a:extLst>
+          </p:cNvPr>
+          <p:cNvPicPr>
+            <a:picLocks noChangeAspect="1"/>
+          </p:cNvPicPr>
+          <p:nvPr/>
+        </p:nvPicPr>
+        <p:blipFill rotWithShape="1">
+          <a:blip r:embed="rId2">
+            <a:extLst>
+              <a:ext uri="{28A0092B-C50C-407E-A947-70E740481C1C}">
+                <a14:useLocalDpi xmlns:a14="http://schemas.microsoft.com/office/drawing/2010/main" val="0"/>
+              </a:ext>
+            </a:extLst>
+          </a:blip>
+          <a:srcRect t="5844" b="5844"/>
+          <a:stretch/>
+        </p:blipFill>
+        <p:spPr>
+          <a:xfrm>
+            <a:off x="6275294" y="1"/>
+            <a:ext cx="38655812" cy="25603200"/>
+          </a:xfrm>
+          <a:prstGeom prst="rect">
+            <a:avLst/>
+          </a:prstGeom>
+        </p:spPr>
+      </p:pic>
     </p:spTree>
     <p:extLst>
       <p:ext uri="{BB962C8B-B14F-4D97-AF65-F5344CB8AC3E}">

--- a/image/program/GitHub.pptx
+++ b/image/program/GitHub.pptx
@@ -16,6 +16,8 @@
     <p:sldId id="265" r:id="rId10"/>
     <p:sldId id="266" r:id="rId11"/>
     <p:sldId id="257" r:id="rId12"/>
+    <p:sldId id="267" r:id="rId13"/>
+    <p:sldId id="269" r:id="rId14"/>
   </p:sldIdLst>
   <p:sldSz cx="51206400" cy="25603200"/>
   <p:notesSz cx="9144000" cy="6858000"/>
@@ -253,7 +255,7 @@
           <a:p>
             <a:fld id="{AFE10336-D0C8-4001-B2D9-4950ADC8C68F}" type="datetimeFigureOut">
               <a:rPr lang="en-US" smtClean="0"/>
-              <a:t>11/4/2020</a:t>
+              <a:t>11/13/2020</a:t>
             </a:fld>
             <a:endParaRPr lang="en-US"/>
           </a:p>
@@ -423,7 +425,7 @@
           <a:p>
             <a:fld id="{AFE10336-D0C8-4001-B2D9-4950ADC8C68F}" type="datetimeFigureOut">
               <a:rPr lang="en-US" smtClean="0"/>
-              <a:t>11/4/2020</a:t>
+              <a:t>11/13/2020</a:t>
             </a:fld>
             <a:endParaRPr lang="en-US"/>
           </a:p>
@@ -603,7 +605,7 @@
           <a:p>
             <a:fld id="{AFE10336-D0C8-4001-B2D9-4950ADC8C68F}" type="datetimeFigureOut">
               <a:rPr lang="en-US" smtClean="0"/>
-              <a:t>11/4/2020</a:t>
+              <a:t>11/13/2020</a:t>
             </a:fld>
             <a:endParaRPr lang="en-US"/>
           </a:p>
@@ -773,7 +775,7 @@
           <a:p>
             <a:fld id="{AFE10336-D0C8-4001-B2D9-4950ADC8C68F}" type="datetimeFigureOut">
               <a:rPr lang="en-US" smtClean="0"/>
-              <a:t>11/4/2020</a:t>
+              <a:t>11/13/2020</a:t>
             </a:fld>
             <a:endParaRPr lang="en-US"/>
           </a:p>
@@ -1019,7 +1021,7 @@
           <a:p>
             <a:fld id="{AFE10336-D0C8-4001-B2D9-4950ADC8C68F}" type="datetimeFigureOut">
               <a:rPr lang="en-US" smtClean="0"/>
-              <a:t>11/4/2020</a:t>
+              <a:t>11/13/2020</a:t>
             </a:fld>
             <a:endParaRPr lang="en-US"/>
           </a:p>
@@ -1251,7 +1253,7 @@
           <a:p>
             <a:fld id="{AFE10336-D0C8-4001-B2D9-4950ADC8C68F}" type="datetimeFigureOut">
               <a:rPr lang="en-US" smtClean="0"/>
-              <a:t>11/4/2020</a:t>
+              <a:t>11/13/2020</a:t>
             </a:fld>
             <a:endParaRPr lang="en-US"/>
           </a:p>
@@ -1618,7 +1620,7 @@
           <a:p>
             <a:fld id="{AFE10336-D0C8-4001-B2D9-4950ADC8C68F}" type="datetimeFigureOut">
               <a:rPr lang="en-US" smtClean="0"/>
-              <a:t>11/4/2020</a:t>
+              <a:t>11/13/2020</a:t>
             </a:fld>
             <a:endParaRPr lang="en-US"/>
           </a:p>
@@ -1736,7 +1738,7 @@
           <a:p>
             <a:fld id="{AFE10336-D0C8-4001-B2D9-4950ADC8C68F}" type="datetimeFigureOut">
               <a:rPr lang="en-US" smtClean="0"/>
-              <a:t>11/4/2020</a:t>
+              <a:t>11/13/2020</a:t>
             </a:fld>
             <a:endParaRPr lang="en-US"/>
           </a:p>
@@ -1831,7 +1833,7 @@
           <a:p>
             <a:fld id="{AFE10336-D0C8-4001-B2D9-4950ADC8C68F}" type="datetimeFigureOut">
               <a:rPr lang="en-US" smtClean="0"/>
-              <a:t>11/4/2020</a:t>
+              <a:t>11/13/2020</a:t>
             </a:fld>
             <a:endParaRPr lang="en-US"/>
           </a:p>
@@ -2108,7 +2110,7 @@
           <a:p>
             <a:fld id="{AFE10336-D0C8-4001-B2D9-4950ADC8C68F}" type="datetimeFigureOut">
               <a:rPr lang="en-US" smtClean="0"/>
-              <a:t>11/4/2020</a:t>
+              <a:t>11/13/2020</a:t>
             </a:fld>
             <a:endParaRPr lang="en-US"/>
           </a:p>
@@ -2365,7 +2367,7 @@
           <a:p>
             <a:fld id="{AFE10336-D0C8-4001-B2D9-4950ADC8C68F}" type="datetimeFigureOut">
               <a:rPr lang="en-US" smtClean="0"/>
-              <a:t>11/4/2020</a:t>
+              <a:t>11/13/2020</a:t>
             </a:fld>
             <a:endParaRPr lang="en-US"/>
           </a:p>
@@ -2578,7 +2580,7 @@
           <a:p>
             <a:fld id="{AFE10336-D0C8-4001-B2D9-4950ADC8C68F}" type="datetimeFigureOut">
               <a:rPr lang="en-US" smtClean="0"/>
-              <a:t>11/4/2020</a:t>
+              <a:t>11/13/2020</a:t>
             </a:fld>
             <a:endParaRPr lang="en-US"/>
           </a:p>
@@ -4690,6 +4692,155 @@
 </p:sld>
 </file>
 
+<file path=ppt/slides/slide12.xml><?xml version="1.0" encoding="utf-8"?>
+<p:sld xmlns:a="http://schemas.openxmlformats.org/drawingml/2006/main" xmlns:r="http://schemas.openxmlformats.org/officeDocument/2006/relationships" xmlns:p="http://schemas.openxmlformats.org/presentationml/2006/main">
+  <p:cSld>
+    <p:bg>
+      <p:bgPr>
+        <a:solidFill>
+          <a:srgbClr val="FFEA00"/>
+        </a:solidFill>
+        <a:effectLst/>
+      </p:bgPr>
+    </p:bg>
+    <p:spTree>
+      <p:nvGrpSpPr>
+        <p:cNvPr id="1" name=""/>
+        <p:cNvGrpSpPr/>
+        <p:nvPr/>
+      </p:nvGrpSpPr>
+      <p:grpSpPr>
+        <a:xfrm>
+          <a:off x="0" y="0"/>
+          <a:ext cx="0" cy="0"/>
+          <a:chOff x="0" y="0"/>
+          <a:chExt cx="0" cy="0"/>
+        </a:xfrm>
+      </p:grpSpPr>
+      <p:pic>
+        <p:nvPicPr>
+          <p:cNvPr id="3" name="Picture 2">
+            <a:extLst>
+              <a:ext uri="{FF2B5EF4-FFF2-40B4-BE49-F238E27FC236}">
+                <a16:creationId xmlns:a16="http://schemas.microsoft.com/office/drawing/2014/main" id="{160EE1A0-AC4F-4705-AF11-F94B47CAEFEB}"/>
+              </a:ext>
+            </a:extLst>
+          </p:cNvPr>
+          <p:cNvPicPr>
+            <a:picLocks noChangeAspect="1"/>
+          </p:cNvPicPr>
+          <p:nvPr/>
+        </p:nvPicPr>
+        <p:blipFill>
+          <a:blip r:embed="rId2">
+            <a:extLst>
+              <a:ext uri="{28A0092B-C50C-407E-A947-70E740481C1C}">
+                <a14:useLocalDpi xmlns:a14="http://schemas.microsoft.com/office/drawing/2010/main" val="0"/>
+              </a:ext>
+            </a:extLst>
+          </a:blip>
+          <a:stretch>
+            <a:fillRect/>
+          </a:stretch>
+        </p:blipFill>
+        <p:spPr>
+          <a:xfrm>
+            <a:off x="11701952" y="-60644"/>
+            <a:ext cx="27802496" cy="25663844"/>
+          </a:xfrm>
+          <a:prstGeom prst="rect">
+            <a:avLst/>
+          </a:prstGeom>
+        </p:spPr>
+      </p:pic>
+    </p:spTree>
+    <p:extLst>
+      <p:ext uri="{BB962C8B-B14F-4D97-AF65-F5344CB8AC3E}">
+        <p14:creationId xmlns:p14="http://schemas.microsoft.com/office/powerpoint/2010/main" val="3065602079"/>
+      </p:ext>
+    </p:extLst>
+  </p:cSld>
+  <p:clrMapOvr>
+    <a:masterClrMapping/>
+  </p:clrMapOvr>
+</p:sld>
+</file>
+
+<file path=ppt/slides/slide13.xml><?xml version="1.0" encoding="utf-8"?>
+<p:sld xmlns:a="http://schemas.openxmlformats.org/drawingml/2006/main" xmlns:r="http://schemas.openxmlformats.org/officeDocument/2006/relationships" xmlns:p="http://schemas.openxmlformats.org/presentationml/2006/main">
+  <p:cSld>
+    <p:spTree>
+      <p:nvGrpSpPr>
+        <p:cNvPr id="1" name=""/>
+        <p:cNvGrpSpPr/>
+        <p:nvPr/>
+      </p:nvGrpSpPr>
+      <p:grpSpPr>
+        <a:xfrm>
+          <a:off x="0" y="0"/>
+          <a:ext cx="0" cy="0"/>
+          <a:chOff x="0" y="0"/>
+          <a:chExt cx="0" cy="0"/>
+        </a:xfrm>
+      </p:grpSpPr>
+      <p:pic>
+        <p:nvPicPr>
+          <p:cNvPr id="3" name="Picture 2">
+            <a:extLst>
+              <a:ext uri="{FF2B5EF4-FFF2-40B4-BE49-F238E27FC236}">
+                <a16:creationId xmlns:a16="http://schemas.microsoft.com/office/drawing/2014/main" id="{CBF37410-80F8-4995-BEF3-1C1865A549CB}"/>
+              </a:ext>
+            </a:extLst>
+          </p:cNvPr>
+          <p:cNvPicPr>
+            <a:picLocks noChangeAspect="1"/>
+          </p:cNvPicPr>
+          <p:nvPr/>
+        </p:nvPicPr>
+        <p:blipFill>
+          <a:blip r:embed="rId2">
+            <a:extLst>
+              <a:ext uri="{BEBA8EAE-BF5A-486C-A8C5-ECC9F3942E4B}">
+                <a14:imgProps xmlns:a14="http://schemas.microsoft.com/office/drawing/2010/main">
+                  <a14:imgLayer r:embed="rId3">
+                    <a14:imgEffect>
+                      <a14:brightnessContrast bright="-20000" contrast="40000"/>
+                    </a14:imgEffect>
+                  </a14:imgLayer>
+                </a14:imgProps>
+              </a:ext>
+              <a:ext uri="{28A0092B-C50C-407E-A947-70E740481C1C}">
+                <a14:useLocalDpi xmlns:a14="http://schemas.microsoft.com/office/drawing/2010/main" val="0"/>
+              </a:ext>
+            </a:extLst>
+          </a:blip>
+          <a:stretch>
+            <a:fillRect/>
+          </a:stretch>
+        </p:blipFill>
+        <p:spPr>
+          <a:xfrm>
+            <a:off x="0" y="0"/>
+            <a:ext cx="51206400" cy="25603200"/>
+          </a:xfrm>
+          <a:prstGeom prst="rect">
+            <a:avLst/>
+          </a:prstGeom>
+        </p:spPr>
+      </p:pic>
+    </p:spTree>
+    <p:extLst>
+      <p:ext uri="{BB962C8B-B14F-4D97-AF65-F5344CB8AC3E}">
+        <p14:creationId xmlns:p14="http://schemas.microsoft.com/office/powerpoint/2010/main" val="3051629528"/>
+      </p:ext>
+    </p:extLst>
+  </p:cSld>
+  <p:clrMapOvr>
+    <a:masterClrMapping/>
+  </p:clrMapOvr>
+</p:sld>
+</file>
+
 <file path=ppt/slides/slide2.xml><?xml version="1.0" encoding="utf-8"?>
 <p:sld xmlns:a="http://schemas.openxmlformats.org/drawingml/2006/main" xmlns:r="http://schemas.openxmlformats.org/officeDocument/2006/relationships" xmlns:p="http://schemas.openxmlformats.org/presentationml/2006/main">
   <p:cSld>

--- a/image/program/GitHub.pptx
+++ b/image/program/GitHub.pptx
@@ -255,7 +255,7 @@
           <a:p>
             <a:fld id="{AFE10336-D0C8-4001-B2D9-4950ADC8C68F}" type="datetimeFigureOut">
               <a:rPr lang="en-US" smtClean="0"/>
-              <a:t>11/13/2020</a:t>
+              <a:t>11/20/2020</a:t>
             </a:fld>
             <a:endParaRPr lang="en-US"/>
           </a:p>
@@ -425,7 +425,7 @@
           <a:p>
             <a:fld id="{AFE10336-D0C8-4001-B2D9-4950ADC8C68F}" type="datetimeFigureOut">
               <a:rPr lang="en-US" smtClean="0"/>
-              <a:t>11/13/2020</a:t>
+              <a:t>11/20/2020</a:t>
             </a:fld>
             <a:endParaRPr lang="en-US"/>
           </a:p>
@@ -605,7 +605,7 @@
           <a:p>
             <a:fld id="{AFE10336-D0C8-4001-B2D9-4950ADC8C68F}" type="datetimeFigureOut">
               <a:rPr lang="en-US" smtClean="0"/>
-              <a:t>11/13/2020</a:t>
+              <a:t>11/20/2020</a:t>
             </a:fld>
             <a:endParaRPr lang="en-US"/>
           </a:p>
@@ -775,7 +775,7 @@
           <a:p>
             <a:fld id="{AFE10336-D0C8-4001-B2D9-4950ADC8C68F}" type="datetimeFigureOut">
               <a:rPr lang="en-US" smtClean="0"/>
-              <a:t>11/13/2020</a:t>
+              <a:t>11/20/2020</a:t>
             </a:fld>
             <a:endParaRPr lang="en-US"/>
           </a:p>
@@ -1021,7 +1021,7 @@
           <a:p>
             <a:fld id="{AFE10336-D0C8-4001-B2D9-4950ADC8C68F}" type="datetimeFigureOut">
               <a:rPr lang="en-US" smtClean="0"/>
-              <a:t>11/13/2020</a:t>
+              <a:t>11/20/2020</a:t>
             </a:fld>
             <a:endParaRPr lang="en-US"/>
           </a:p>
@@ -1253,7 +1253,7 @@
           <a:p>
             <a:fld id="{AFE10336-D0C8-4001-B2D9-4950ADC8C68F}" type="datetimeFigureOut">
               <a:rPr lang="en-US" smtClean="0"/>
-              <a:t>11/13/2020</a:t>
+              <a:t>11/20/2020</a:t>
             </a:fld>
             <a:endParaRPr lang="en-US"/>
           </a:p>
@@ -1620,7 +1620,7 @@
           <a:p>
             <a:fld id="{AFE10336-D0C8-4001-B2D9-4950ADC8C68F}" type="datetimeFigureOut">
               <a:rPr lang="en-US" smtClean="0"/>
-              <a:t>11/13/2020</a:t>
+              <a:t>11/20/2020</a:t>
             </a:fld>
             <a:endParaRPr lang="en-US"/>
           </a:p>
@@ -1738,7 +1738,7 @@
           <a:p>
             <a:fld id="{AFE10336-D0C8-4001-B2D9-4950ADC8C68F}" type="datetimeFigureOut">
               <a:rPr lang="en-US" smtClean="0"/>
-              <a:t>11/13/2020</a:t>
+              <a:t>11/20/2020</a:t>
             </a:fld>
             <a:endParaRPr lang="en-US"/>
           </a:p>
@@ -1833,7 +1833,7 @@
           <a:p>
             <a:fld id="{AFE10336-D0C8-4001-B2D9-4950ADC8C68F}" type="datetimeFigureOut">
               <a:rPr lang="en-US" smtClean="0"/>
-              <a:t>11/13/2020</a:t>
+              <a:t>11/20/2020</a:t>
             </a:fld>
             <a:endParaRPr lang="en-US"/>
           </a:p>
@@ -2110,7 +2110,7 @@
           <a:p>
             <a:fld id="{AFE10336-D0C8-4001-B2D9-4950ADC8C68F}" type="datetimeFigureOut">
               <a:rPr lang="en-US" smtClean="0"/>
-              <a:t>11/13/2020</a:t>
+              <a:t>11/20/2020</a:t>
             </a:fld>
             <a:endParaRPr lang="en-US"/>
           </a:p>
@@ -2367,7 +2367,7 @@
           <a:p>
             <a:fld id="{AFE10336-D0C8-4001-B2D9-4950ADC8C68F}" type="datetimeFigureOut">
               <a:rPr lang="en-US" smtClean="0"/>
-              <a:t>11/13/2020</a:t>
+              <a:t>11/20/2020</a:t>
             </a:fld>
             <a:endParaRPr lang="en-US"/>
           </a:p>
@@ -2580,7 +2580,7 @@
           <a:p>
             <a:fld id="{AFE10336-D0C8-4001-B2D9-4950ADC8C68F}" type="datetimeFigureOut">
               <a:rPr lang="en-US" smtClean="0"/>
-              <a:t>11/13/2020</a:t>
+              <a:t>11/20/2020</a:t>
             </a:fld>
             <a:endParaRPr lang="en-US"/>
           </a:p>
@@ -4492,55 +4492,8 @@
                 </a:effectLst>
                 <a:latin typeface="DAGGERSQUARE" pitchFamily="50" charset="0"/>
               </a:rPr>
-              <a:t>Iterators and </a:t>
-            </a:r>
-            <a:r>
-              <a:rPr lang="en-US" sz="12000" b="1" i="1" dirty="0" err="1">
-                <a:ln w="9525">
-                  <a:solidFill>
-                    <a:schemeClr val="bg1"/>
-                  </a:solidFill>
-                  <a:prstDash val="solid"/>
-                </a:ln>
-                <a:solidFill>
-                  <a:schemeClr val="bg2">
-                    <a:lumMod val="10000"/>
-                  </a:schemeClr>
-                </a:solidFill>
-                <a:effectLst>
-                  <a:outerShdw blurRad="12700" dist="38100" dir="2700000" algn="tl" rotWithShape="0">
-                    <a:schemeClr val="accent5">
-                      <a:lumMod val="60000"/>
-                      <a:lumOff val="40000"/>
-                    </a:schemeClr>
-                  </a:outerShdw>
-                </a:effectLst>
-                <a:latin typeface="DAGGERSQUARE" pitchFamily="50" charset="0"/>
-              </a:rPr>
-              <a:t>Iterables</a:t>
-            </a:r>
-            <a:endParaRPr lang="en-US" sz="12000" b="1" i="1" dirty="0">
-              <a:ln w="9525">
-                <a:solidFill>
-                  <a:schemeClr val="bg1"/>
-                </a:solidFill>
-                <a:prstDash val="solid"/>
-              </a:ln>
-              <a:solidFill>
-                <a:schemeClr val="bg2">
-                  <a:lumMod val="10000"/>
-                </a:schemeClr>
-              </a:solidFill>
-              <a:effectLst>
-                <a:outerShdw blurRad="12700" dist="38100" dir="2700000" algn="tl" rotWithShape="0">
-                  <a:schemeClr val="accent5">
-                    <a:lumMod val="60000"/>
-                    <a:lumOff val="40000"/>
-                  </a:schemeClr>
-                </a:outerShdw>
-              </a:effectLst>
-              <a:latin typeface="DAGGERSQUARE" pitchFamily="50" charset="0"/>
-            </a:endParaRPr>
+              <a:t>Iterators and Iterables</a:t>
+            </a:r>
           </a:p>
         </p:txBody>
       </p:sp>
